--- a/manuscript/mockups/mockup2.pptx
+++ b/manuscript/mockups/mockup2.pptx
@@ -106,6 +106,11 @@
       </a:defRPr>
     </a:lvl9pPr>
   </p:defaultTextStyle>
+  <p:extLst>
+    <p:ext uri="{EFAFB233-063F-42B5-8137-9DF3F51BA10A}">
+      <p15:sldGuideLst xmlns:p15="http://schemas.microsoft.com/office/powerpoint/2012/main"/>
+    </p:ext>
+  </p:extLst>
 </p:presentation>
 </file>
 
@@ -240,7 +245,7 @@
           <a:p>
             <a:fld id="{9E05E3FD-D07A-6D4E-860A-2640A03738F4}" type="datetimeFigureOut">
               <a:rPr lang="en-US" smtClean="0"/>
-              <a:t>2/21/21</a:t>
+              <a:t>1/14/23</a:t>
             </a:fld>
             <a:endParaRPr lang="en-US"/>
           </a:p>
@@ -410,7 +415,7 @@
           <a:p>
             <a:fld id="{9E05E3FD-D07A-6D4E-860A-2640A03738F4}" type="datetimeFigureOut">
               <a:rPr lang="en-US" smtClean="0"/>
-              <a:t>2/21/21</a:t>
+              <a:t>1/14/23</a:t>
             </a:fld>
             <a:endParaRPr lang="en-US"/>
           </a:p>
@@ -590,7 +595,7 @@
           <a:p>
             <a:fld id="{9E05E3FD-D07A-6D4E-860A-2640A03738F4}" type="datetimeFigureOut">
               <a:rPr lang="en-US" smtClean="0"/>
-              <a:t>2/21/21</a:t>
+              <a:t>1/14/23</a:t>
             </a:fld>
             <a:endParaRPr lang="en-US"/>
           </a:p>
@@ -760,7 +765,7 @@
           <a:p>
             <a:fld id="{9E05E3FD-D07A-6D4E-860A-2640A03738F4}" type="datetimeFigureOut">
               <a:rPr lang="en-US" smtClean="0"/>
-              <a:t>2/21/21</a:t>
+              <a:t>1/14/23</a:t>
             </a:fld>
             <a:endParaRPr lang="en-US"/>
           </a:p>
@@ -1006,7 +1011,7 @@
           <a:p>
             <a:fld id="{9E05E3FD-D07A-6D4E-860A-2640A03738F4}" type="datetimeFigureOut">
               <a:rPr lang="en-US" smtClean="0"/>
-              <a:t>2/21/21</a:t>
+              <a:t>1/14/23</a:t>
             </a:fld>
             <a:endParaRPr lang="en-US"/>
           </a:p>
@@ -1238,7 +1243,7 @@
           <a:p>
             <a:fld id="{9E05E3FD-D07A-6D4E-860A-2640A03738F4}" type="datetimeFigureOut">
               <a:rPr lang="en-US" smtClean="0"/>
-              <a:t>2/21/21</a:t>
+              <a:t>1/14/23</a:t>
             </a:fld>
             <a:endParaRPr lang="en-US"/>
           </a:p>
@@ -1605,7 +1610,7 @@
           <a:p>
             <a:fld id="{9E05E3FD-D07A-6D4E-860A-2640A03738F4}" type="datetimeFigureOut">
               <a:rPr lang="en-US" smtClean="0"/>
-              <a:t>2/21/21</a:t>
+              <a:t>1/14/23</a:t>
             </a:fld>
             <a:endParaRPr lang="en-US"/>
           </a:p>
@@ -1723,7 +1728,7 @@
           <a:p>
             <a:fld id="{9E05E3FD-D07A-6D4E-860A-2640A03738F4}" type="datetimeFigureOut">
               <a:rPr lang="en-US" smtClean="0"/>
-              <a:t>2/21/21</a:t>
+              <a:t>1/14/23</a:t>
             </a:fld>
             <a:endParaRPr lang="en-US"/>
           </a:p>
@@ -1818,7 +1823,7 @@
           <a:p>
             <a:fld id="{9E05E3FD-D07A-6D4E-860A-2640A03738F4}" type="datetimeFigureOut">
               <a:rPr lang="en-US" smtClean="0"/>
-              <a:t>2/21/21</a:t>
+              <a:t>1/14/23</a:t>
             </a:fld>
             <a:endParaRPr lang="en-US"/>
           </a:p>
@@ -2095,7 +2100,7 @@
           <a:p>
             <a:fld id="{9E05E3FD-D07A-6D4E-860A-2640A03738F4}" type="datetimeFigureOut">
               <a:rPr lang="en-US" smtClean="0"/>
-              <a:t>2/21/21</a:t>
+              <a:t>1/14/23</a:t>
             </a:fld>
             <a:endParaRPr lang="en-US"/>
           </a:p>
@@ -2352,7 +2357,7 @@
           <a:p>
             <a:fld id="{9E05E3FD-D07A-6D4E-860A-2640A03738F4}" type="datetimeFigureOut">
               <a:rPr lang="en-US" smtClean="0"/>
-              <a:t>2/21/21</a:t>
+              <a:t>1/14/23</a:t>
             </a:fld>
             <a:endParaRPr lang="en-US"/>
           </a:p>
@@ -2565,7 +2570,7 @@
           <a:p>
             <a:fld id="{9E05E3FD-D07A-6D4E-860A-2640A03738F4}" type="datetimeFigureOut">
               <a:rPr lang="en-US" smtClean="0"/>
-              <a:t>2/21/21</a:t>
+              <a:t>1/14/23</a:t>
             </a:fld>
             <a:endParaRPr lang="en-US"/>
           </a:p>
@@ -10108,9 +10113,9 @@
           </p:nvGrpSpPr>
           <p:grpSpPr>
             <a:xfrm>
-              <a:off x="10973882" y="1818947"/>
+              <a:off x="10973172" y="1829097"/>
               <a:ext cx="5579989" cy="3874875"/>
-              <a:chOff x="212650" y="921059"/>
+              <a:chOff x="211940" y="931209"/>
               <a:chExt cx="5579989" cy="3874875"/>
             </a:xfrm>
           </p:grpSpPr>
@@ -10128,7 +10133,7 @@
             </p:nvSpPr>
             <p:spPr>
               <a:xfrm>
-                <a:off x="212650" y="921059"/>
+                <a:off x="211940" y="931209"/>
                 <a:ext cx="5579989" cy="3874875"/>
               </a:xfrm>
               <a:prstGeom prst="rect">
@@ -11147,7 +11152,7 @@
               </a:xfrm>
               <a:prstGeom prst="bentConnector3">
                 <a:avLst>
-                  <a:gd name="adj1" fmla="val 50000"/>
+                  <a:gd name="adj1" fmla="val 47432"/>
                 </a:avLst>
               </a:prstGeom>
               <a:ln w="12700">
@@ -11195,7 +11200,7 @@
               </a:xfrm>
               <a:prstGeom prst="bentConnector3">
                 <a:avLst>
-                  <a:gd name="adj1" fmla="val 24775"/>
+                  <a:gd name="adj1" fmla="val 23753"/>
                 </a:avLst>
               </a:prstGeom>
               <a:ln w="12700">
@@ -11243,7 +11248,7 @@
               </a:xfrm>
               <a:prstGeom prst="bentConnector3">
                 <a:avLst>
-                  <a:gd name="adj1" fmla="val 50000"/>
+                  <a:gd name="adj1" fmla="val 47505"/>
                 </a:avLst>
               </a:prstGeom>
               <a:ln w="12700">
@@ -12188,7 +12193,7 @@
                 </a:xfrm>
                 <a:prstGeom prst="bentConnector3">
                   <a:avLst>
-                    <a:gd name="adj1" fmla="val 50000"/>
+                    <a:gd name="adj1" fmla="val 47671"/>
                   </a:avLst>
                 </a:prstGeom>
                 <a:ln w="12700">
@@ -12236,7 +12241,7 @@
                 </a:xfrm>
                 <a:prstGeom prst="bentConnector3">
                   <a:avLst>
-                    <a:gd name="adj1" fmla="val 50000"/>
+                    <a:gd name="adj1" fmla="val 48166"/>
                   </a:avLst>
                 </a:prstGeom>
                 <a:ln w="12700">
@@ -12285,7 +12290,7 @@
               </a:xfrm>
               <a:prstGeom prst="bentConnector3">
                 <a:avLst>
-                  <a:gd name="adj1" fmla="val 24402"/>
+                  <a:gd name="adj1" fmla="val 23886"/>
                 </a:avLst>
               </a:prstGeom>
               <a:ln w="12700">
@@ -12333,7 +12338,7 @@
               </a:xfrm>
               <a:prstGeom prst="bentConnector3">
                 <a:avLst>
-                  <a:gd name="adj1" fmla="val 24616"/>
+                  <a:gd name="adj1" fmla="val 23575"/>
                 </a:avLst>
               </a:prstGeom>
               <a:ln w="12700">
@@ -12381,7 +12386,7 @@
               </a:xfrm>
               <a:prstGeom prst="bentConnector3">
                 <a:avLst>
-                  <a:gd name="adj1" fmla="val 24457"/>
+                  <a:gd name="adj1" fmla="val 23978"/>
                 </a:avLst>
               </a:prstGeom>
               <a:ln w="12700">
@@ -12659,7 +12664,7 @@
             </a:xfrm>
             <a:prstGeom prst="bentConnector3">
               <a:avLst>
-                <a:gd name="adj1" fmla="val 14819"/>
+                <a:gd name="adj1" fmla="val 14474"/>
               </a:avLst>
             </a:prstGeom>
             <a:ln w="12700">
@@ -12707,7 +12712,7 @@
             </a:xfrm>
             <a:prstGeom prst="bentConnector3">
               <a:avLst>
-                <a:gd name="adj1" fmla="val 14972"/>
+                <a:gd name="adj1" fmla="val 14620"/>
               </a:avLst>
             </a:prstGeom>
             <a:ln w="12700">
@@ -12755,7 +12760,7 @@
             </a:xfrm>
             <a:prstGeom prst="bentConnector3">
               <a:avLst>
-                <a:gd name="adj1" fmla="val 14972"/>
+                <a:gd name="adj1" fmla="val 14533"/>
               </a:avLst>
             </a:prstGeom>
             <a:ln w="12700">
@@ -12803,7 +12808,7 @@
             </a:xfrm>
             <a:prstGeom prst="bentConnector3">
               <a:avLst>
-                <a:gd name="adj1" fmla="val 14971"/>
+                <a:gd name="adj1" fmla="val 14437"/>
               </a:avLst>
             </a:prstGeom>
             <a:ln w="12700">
